--- a/Documentation/5. Heuristic classifier strategy C.pptx
+++ b/Documentation/5. Heuristic classifier strategy C.pptx
@@ -227,7 +227,7 @@
           <a:p>
             <a:fld id="{1A21894F-B278-4D96-9594-A030EA633187}" type="datetimeFigureOut">
               <a:rPr lang="it-IT" smtClean="0"/>
-              <a:t>01/11/2024</a:t>
+              <a:t>04/11/2024</a:t>
             </a:fld>
             <a:endParaRPr lang="it-IT"/>
           </a:p>
@@ -4099,7 +4099,7 @@
           <a:p>
             <a:fld id="{58E4D78B-0F35-4E3B-A0B9-554BA787D8A4}" type="datetime1">
               <a:rPr lang="en-US" smtClean="0"/>
-              <a:t>11/1/2024</a:t>
+              <a:t>11/4/2024</a:t>
             </a:fld>
             <a:endParaRPr lang="en-US"/>
           </a:p>
@@ -4309,7 +4309,7 @@
           <a:p>
             <a:fld id="{604487E5-BE79-4BAC-AEB7-0CE0533B5E5C}" type="datetime1">
               <a:rPr lang="en-US" smtClean="0"/>
-              <a:t>11/1/2024</a:t>
+              <a:t>11/4/2024</a:t>
             </a:fld>
             <a:endParaRPr lang="en-US"/>
           </a:p>
@@ -4509,7 +4509,7 @@
           <a:p>
             <a:fld id="{DDA7E0CB-9E21-49FD-99A0-0CD75BBC45F4}" type="datetime1">
               <a:rPr lang="en-US" smtClean="0"/>
-              <a:t>11/1/2024</a:t>
+              <a:t>11/4/2024</a:t>
             </a:fld>
             <a:endParaRPr lang="en-US"/>
           </a:p>
@@ -4785,7 +4785,7 @@
           <a:p>
             <a:fld id="{661D7149-FE96-419A-8F67-9BD351842985}" type="datetime1">
               <a:rPr lang="en-US" smtClean="0"/>
-              <a:t>11/1/2024</a:t>
+              <a:t>11/4/2024</a:t>
             </a:fld>
             <a:endParaRPr lang="en-US"/>
           </a:p>
@@ -5053,7 +5053,7 @@
           <a:p>
             <a:fld id="{6CA97CEF-DD94-4A20-85BC-5094F3EA8887}" type="datetime1">
               <a:rPr lang="en-US" smtClean="0"/>
-              <a:t>11/1/2024</a:t>
+              <a:t>11/4/2024</a:t>
             </a:fld>
             <a:endParaRPr lang="en-US"/>
           </a:p>
@@ -5468,7 +5468,7 @@
           <a:p>
             <a:fld id="{9862EB4C-45F8-47BA-B435-B6097D61B684}" type="datetime1">
               <a:rPr lang="en-US" smtClean="0"/>
-              <a:t>11/1/2024</a:t>
+              <a:t>11/4/2024</a:t>
             </a:fld>
             <a:endParaRPr lang="en-US"/>
           </a:p>
@@ -5610,7 +5610,7 @@
           <a:p>
             <a:fld id="{FA7CD0E2-B7EC-4D81-9389-8F889EE865AB}" type="datetime1">
               <a:rPr lang="en-US" smtClean="0"/>
-              <a:t>11/1/2024</a:t>
+              <a:t>11/4/2024</a:t>
             </a:fld>
             <a:endParaRPr lang="en-US"/>
           </a:p>
@@ -5723,7 +5723,7 @@
           <a:p>
             <a:fld id="{18B47F5C-7FA0-44DA-BF82-413AB90208B7}" type="datetime1">
               <a:rPr lang="en-US" smtClean="0"/>
-              <a:t>11/1/2024</a:t>
+              <a:t>11/4/2024</a:t>
             </a:fld>
             <a:endParaRPr lang="en-US"/>
           </a:p>
@@ -6036,7 +6036,7 @@
           <a:p>
             <a:fld id="{403415A8-F8BD-47CC-8D20-53798396961D}" type="datetime1">
               <a:rPr lang="en-US" smtClean="0"/>
-              <a:t>11/1/2024</a:t>
+              <a:t>11/4/2024</a:t>
             </a:fld>
             <a:endParaRPr lang="en-US"/>
           </a:p>
@@ -6325,7 +6325,7 @@
           <a:p>
             <a:fld id="{6A12F5A1-6669-4CDD-B1B4-04FFE5C41ADE}" type="datetime1">
               <a:rPr lang="en-US" smtClean="0"/>
-              <a:t>11/1/2024</a:t>
+              <a:t>11/4/2024</a:t>
             </a:fld>
             <a:endParaRPr lang="en-US"/>
           </a:p>
@@ -6529,7 +6529,7 @@
           <a:p>
             <a:fld id="{63421662-C242-4258-8799-9F32C0D7CC75}" type="datetime1">
               <a:rPr lang="en-US" smtClean="0"/>
-              <a:t>11/1/2024</a:t>
+              <a:t>11/4/2024</a:t>
             </a:fld>
             <a:endParaRPr lang="en-US"/>
           </a:p>
@@ -7242,7 +7242,7 @@
           <a:p>
             <a:r>
               <a:rPr lang="en-US" sz="4400" dirty="0"/>
-              <a:t>Heuristic classifier, strategy B</a:t>
+              <a:t>Heuristic classifier, strategy C</a:t>
             </a:r>
           </a:p>
           <a:p>
@@ -9979,7 +9979,7 @@
         </p:nvSpPr>
         <p:spPr>
           <a:xfrm>
-            <a:off x="745236" y="4296525"/>
+            <a:off x="390522" y="4296525"/>
             <a:ext cx="1591056" cy="585216"/>
           </a:xfrm>
           <a:prstGeom prst="roundRect">
@@ -10038,7 +10038,7 @@
         </p:nvSpPr>
         <p:spPr>
           <a:xfrm>
-            <a:off x="1175004" y="5975145"/>
+            <a:off x="820290" y="5969192"/>
             <a:ext cx="731520" cy="247018"/>
           </a:xfrm>
           <a:prstGeom prst="rect">
@@ -10089,7 +10089,7 @@
         </p:nvSpPr>
         <p:spPr>
           <a:xfrm>
-            <a:off x="3820105" y="5975144"/>
+            <a:off x="2794510" y="5970112"/>
             <a:ext cx="731520" cy="247018"/>
           </a:xfrm>
           <a:prstGeom prst="rect">
@@ -10140,7 +10140,7 @@
         </p:nvSpPr>
         <p:spPr>
           <a:xfrm>
-            <a:off x="5950383" y="4475782"/>
+            <a:off x="4595794" y="5971634"/>
             <a:ext cx="731520" cy="247018"/>
           </a:xfrm>
           <a:prstGeom prst="rect">
@@ -10187,6 +10187,7 @@
             </a:extLst>
           </p:cNvPr>
           <p:cNvCxnSpPr>
+            <a:cxnSpLocks/>
             <a:stCxn id="3" idx="2"/>
             <a:endCxn id="6" idx="0"/>
           </p:cNvCxnSpPr>
@@ -10194,8 +10195,8 @@
         </p:nvCxnSpPr>
         <p:spPr>
           <a:xfrm>
-            <a:off x="1540764" y="4881741"/>
-            <a:ext cx="0" cy="1093404"/>
+            <a:off x="1186050" y="4881741"/>
+            <a:ext cx="0" cy="1087451"/>
           </a:xfrm>
           <a:prstGeom prst="straightConnector1">
             <a:avLst/>
@@ -10237,8 +10238,8 @@
         </p:nvCxnSpPr>
         <p:spPr>
           <a:xfrm>
-            <a:off x="2336292" y="4589133"/>
-            <a:ext cx="854786" cy="10158"/>
+            <a:off x="1981578" y="4589133"/>
+            <a:ext cx="411612" cy="6232"/>
           </a:xfrm>
           <a:prstGeom prst="straightConnector1">
             <a:avLst/>
@@ -10273,15 +10274,15 @@
           </p:cNvPr>
           <p:cNvCxnSpPr>
             <a:cxnSpLocks/>
-            <a:stCxn id="26" idx="3"/>
-            <a:endCxn id="8" idx="1"/>
+            <a:stCxn id="19" idx="2"/>
+            <a:endCxn id="8" idx="0"/>
           </p:cNvCxnSpPr>
           <p:nvPr/>
         </p:nvCxnSpPr>
         <p:spPr>
           <a:xfrm>
-            <a:off x="5180653" y="4599291"/>
-            <a:ext cx="769730" cy="0"/>
+            <a:off x="4961554" y="4894205"/>
+            <a:ext cx="0" cy="1077429"/>
           </a:xfrm>
           <a:prstGeom prst="straightConnector1">
             <a:avLst/>
@@ -10323,8 +10324,8 @@
         </p:nvCxnSpPr>
         <p:spPr>
           <a:xfrm flipH="1">
-            <a:off x="4185865" y="4898131"/>
-            <a:ext cx="1" cy="1077013"/>
+            <a:off x="3160270" y="4894205"/>
+            <a:ext cx="1" cy="1075907"/>
           </a:xfrm>
           <a:prstGeom prst="straightConnector1">
             <a:avLst/>
@@ -10362,7 +10363,7 @@
         </p:nvSpPr>
         <p:spPr>
           <a:xfrm>
-            <a:off x="2496478" y="4296525"/>
+            <a:off x="2003598" y="4271056"/>
             <a:ext cx="505968" cy="307777"/>
           </a:xfrm>
           <a:prstGeom prst="rect">
@@ -10397,7 +10398,7 @@
         </p:nvSpPr>
         <p:spPr>
           <a:xfrm>
-            <a:off x="5309356" y="4281356"/>
+            <a:off x="3924718" y="4296525"/>
             <a:ext cx="505968" cy="307777"/>
           </a:xfrm>
           <a:prstGeom prst="rect">
@@ -10432,7 +10433,7 @@
         </p:nvSpPr>
         <p:spPr>
           <a:xfrm>
-            <a:off x="4185865" y="5367900"/>
+            <a:off x="3139342" y="5415317"/>
             <a:ext cx="505968" cy="307777"/>
           </a:xfrm>
           <a:prstGeom prst="rect">
@@ -10467,7 +10468,7 @@
         </p:nvSpPr>
         <p:spPr>
           <a:xfrm>
-            <a:off x="1527613" y="5364317"/>
+            <a:off x="1205248" y="5364561"/>
             <a:ext cx="505968" cy="307777"/>
           </a:xfrm>
           <a:prstGeom prst="rect">
@@ -10502,8 +10503,8 @@
         </p:nvSpPr>
         <p:spPr>
           <a:xfrm>
-            <a:off x="8107832" y="4282679"/>
-            <a:ext cx="3863339" cy="1692465"/>
+            <a:off x="9062289" y="4283529"/>
+            <a:ext cx="2982617" cy="1939483"/>
           </a:xfrm>
           <a:prstGeom prst="roundRect">
             <a:avLst/>
@@ -10591,7 +10592,7 @@
             </a:r>
             <a:r>
               <a:rPr lang="en-GB" sz="1200" dirty="0"/>
-              <a:t>, is chosen if the atrial peak is higher than the ventricular one.</a:t>
+              <a:t>, is chosen  if atrial peak is higher than the threshold or if the higher than the ventricular one.</a:t>
             </a:r>
           </a:p>
           <a:p>
@@ -10664,8 +10665,8 @@
         </p:nvSpPr>
         <p:spPr>
           <a:xfrm>
-            <a:off x="3191078" y="4300451"/>
-            <a:ext cx="1989575" cy="597680"/>
+            <a:off x="2393190" y="4296525"/>
+            <a:ext cx="1534161" cy="597680"/>
           </a:xfrm>
           <a:prstGeom prst="roundRect">
             <a:avLst/>
@@ -10704,17 +10705,17 @@
                   <a:schemeClr val="tx1"/>
                 </a:solidFill>
               </a:rPr>
-              <a:t>Is the ventricular peak lower than atrial one?</a:t>
-            </a:r>
-          </a:p>
-        </p:txBody>
-      </p:sp>
-      <p:sp>
-        <p:nvSpPr>
-          <p:cNvPr id="5" name="Rettangolo 4">
-            <a:extLst>
-              <a:ext uri="{FF2B5EF4-FFF2-40B4-BE49-F238E27FC236}">
-                <a16:creationId xmlns:a16="http://schemas.microsoft.com/office/drawing/2014/main" id="{A0F2431C-68AF-D241-470B-2D68D7370AC9}"/>
+              <a:t>Is the atrial peak &gt; 0.5 mV?</a:t>
+            </a:r>
+          </a:p>
+        </p:txBody>
+      </p:sp>
+      <p:sp>
+        <p:nvSpPr>
+          <p:cNvPr id="19" name="Rettangolo con angoli arrotondati 18">
+            <a:extLst>
+              <a:ext uri="{FF2B5EF4-FFF2-40B4-BE49-F238E27FC236}">
+                <a16:creationId xmlns:a16="http://schemas.microsoft.com/office/drawing/2014/main" id="{67979E96-43A3-7D4C-E1E4-DAD04E196946}"/>
               </a:ext>
             </a:extLst>
           </p:cNvPr>
@@ -10723,12 +10724,18 @@
         </p:nvSpPr>
         <p:spPr>
           <a:xfrm>
-            <a:off x="9518904" y="2612741"/>
-            <a:ext cx="493776" cy="816259"/>
+            <a:off x="4342616" y="4296525"/>
+            <a:ext cx="1237876" cy="597680"/>
           </a:xfrm>
-          <a:prstGeom prst="rect">
+          <a:prstGeom prst="roundRect">
             <a:avLst/>
           </a:prstGeom>
+          <a:noFill/>
+          <a:ln w="28575">
+            <a:solidFill>
+              <a:srgbClr val="0070C0"/>
+            </a:solidFill>
+          </a:ln>
         </p:spPr>
         <p:style>
           <a:lnRef idx="2">
@@ -10751,7 +10758,487 @@
           <a:lstStyle/>
           <a:p>
             <a:pPr algn="ctr"/>
-            <a:endParaRPr lang="it-IT"/>
+            <a:r>
+              <a:rPr lang="en-GB" sz="1400" dirty="0">
+                <a:solidFill>
+                  <a:schemeClr val="tx1"/>
+                </a:solidFill>
+              </a:rPr>
+              <a:t>Is 0.1&lt; atrial peak&lt;0.3 ?</a:t>
+            </a:r>
+          </a:p>
+        </p:txBody>
+      </p:sp>
+      <p:sp>
+        <p:nvSpPr>
+          <p:cNvPr id="23" name="Rettangolo con angoli arrotondati 22">
+            <a:extLst>
+              <a:ext uri="{FF2B5EF4-FFF2-40B4-BE49-F238E27FC236}">
+                <a16:creationId xmlns:a16="http://schemas.microsoft.com/office/drawing/2014/main" id="{196E767D-28EE-023B-1370-A1999ADD6629}"/>
+              </a:ext>
+            </a:extLst>
+          </p:cNvPr>
+          <p:cNvSpPr/>
+          <p:nvPr/>
+        </p:nvSpPr>
+        <p:spPr>
+          <a:xfrm>
+            <a:off x="5966065" y="4299812"/>
+            <a:ext cx="1627633" cy="597680"/>
+          </a:xfrm>
+          <a:prstGeom prst="roundRect">
+            <a:avLst/>
+          </a:prstGeom>
+          <a:noFill/>
+          <a:ln w="28575">
+            <a:solidFill>
+              <a:srgbClr val="0070C0"/>
+            </a:solidFill>
+          </a:ln>
+        </p:spPr>
+        <p:style>
+          <a:lnRef idx="2">
+            <a:schemeClr val="accent1">
+              <a:shade val="15000"/>
+            </a:schemeClr>
+          </a:lnRef>
+          <a:fillRef idx="1">
+            <a:schemeClr val="accent1"/>
+          </a:fillRef>
+          <a:effectRef idx="0">
+            <a:schemeClr val="accent1"/>
+          </a:effectRef>
+          <a:fontRef idx="minor">
+            <a:schemeClr val="lt1"/>
+          </a:fontRef>
+        </p:style>
+        <p:txBody>
+          <a:bodyPr rtlCol="0" anchor="ctr"/>
+          <a:lstStyle/>
+          <a:p>
+            <a:pPr algn="ctr"/>
+            <a:r>
+              <a:rPr lang="en-GB" sz="1400" dirty="0">
+                <a:solidFill>
+                  <a:schemeClr val="tx1"/>
+                </a:solidFill>
+              </a:rPr>
+              <a:t>Is atrial peak &gt; ventricular peak?</a:t>
+            </a:r>
+          </a:p>
+        </p:txBody>
+      </p:sp>
+      <p:cxnSp>
+        <p:nvCxnSpPr>
+          <p:cNvPr id="38" name="Connettore 2 37">
+            <a:extLst>
+              <a:ext uri="{FF2B5EF4-FFF2-40B4-BE49-F238E27FC236}">
+                <a16:creationId xmlns:a16="http://schemas.microsoft.com/office/drawing/2014/main" id="{6E8D07EA-4633-BB77-20E5-E17E2833D1C0}"/>
+              </a:ext>
+            </a:extLst>
+          </p:cNvPr>
+          <p:cNvCxnSpPr>
+            <a:cxnSpLocks/>
+            <a:stCxn id="26" idx="3"/>
+            <a:endCxn id="19" idx="1"/>
+          </p:cNvCxnSpPr>
+          <p:nvPr/>
+        </p:nvCxnSpPr>
+        <p:spPr>
+          <a:xfrm>
+            <a:off x="3927351" y="4595365"/>
+            <a:ext cx="415265" cy="0"/>
+          </a:xfrm>
+          <a:prstGeom prst="straightConnector1">
+            <a:avLst/>
+          </a:prstGeom>
+          <a:ln>
+            <a:tailEnd type="triangle"/>
+          </a:ln>
+        </p:spPr>
+        <p:style>
+          <a:lnRef idx="1">
+            <a:schemeClr val="dk1"/>
+          </a:lnRef>
+          <a:fillRef idx="0">
+            <a:schemeClr val="dk1"/>
+          </a:fillRef>
+          <a:effectRef idx="0">
+            <a:schemeClr val="dk1"/>
+          </a:effectRef>
+          <a:fontRef idx="minor">
+            <a:schemeClr val="tx1"/>
+          </a:fontRef>
+        </p:style>
+      </p:cxnSp>
+      <p:cxnSp>
+        <p:nvCxnSpPr>
+          <p:cNvPr id="41" name="Connettore 2 40">
+            <a:extLst>
+              <a:ext uri="{FF2B5EF4-FFF2-40B4-BE49-F238E27FC236}">
+                <a16:creationId xmlns:a16="http://schemas.microsoft.com/office/drawing/2014/main" id="{E84774C7-9494-5113-943E-99FEA1B10E8A}"/>
+              </a:ext>
+            </a:extLst>
+          </p:cNvPr>
+          <p:cNvCxnSpPr>
+            <a:cxnSpLocks/>
+            <a:stCxn id="19" idx="3"/>
+            <a:endCxn id="23" idx="1"/>
+          </p:cNvCxnSpPr>
+          <p:nvPr/>
+        </p:nvCxnSpPr>
+        <p:spPr>
+          <a:xfrm>
+            <a:off x="5580492" y="4595365"/>
+            <a:ext cx="385573" cy="3287"/>
+          </a:xfrm>
+          <a:prstGeom prst="straightConnector1">
+            <a:avLst/>
+          </a:prstGeom>
+          <a:ln>
+            <a:tailEnd type="triangle"/>
+          </a:ln>
+        </p:spPr>
+        <p:style>
+          <a:lnRef idx="1">
+            <a:schemeClr val="dk1"/>
+          </a:lnRef>
+          <a:fillRef idx="0">
+            <a:schemeClr val="dk1"/>
+          </a:fillRef>
+          <a:effectRef idx="0">
+            <a:schemeClr val="dk1"/>
+          </a:effectRef>
+          <a:fontRef idx="minor">
+            <a:schemeClr val="tx1"/>
+          </a:fontRef>
+        </p:style>
+      </p:cxnSp>
+      <p:sp>
+        <p:nvSpPr>
+          <p:cNvPr id="56" name="CasellaDiTesto 55">
+            <a:extLst>
+              <a:ext uri="{FF2B5EF4-FFF2-40B4-BE49-F238E27FC236}">
+                <a16:creationId xmlns:a16="http://schemas.microsoft.com/office/drawing/2014/main" id="{0F71B412-A3A6-1684-1719-D9F462CDD70A}"/>
+              </a:ext>
+            </a:extLst>
+          </p:cNvPr>
+          <p:cNvSpPr txBox="1"/>
+          <p:nvPr/>
+        </p:nvSpPr>
+        <p:spPr>
+          <a:xfrm>
+            <a:off x="5574164" y="4271055"/>
+            <a:ext cx="505968" cy="307777"/>
+          </a:xfrm>
+          <a:prstGeom prst="rect">
+            <a:avLst/>
+          </a:prstGeom>
+          <a:noFill/>
+        </p:spPr>
+        <p:txBody>
+          <a:bodyPr wrap="square" rtlCol="0">
+            <a:spAutoFit/>
+          </a:bodyPr>
+          <a:lstStyle/>
+          <a:p>
+            <a:r>
+              <a:rPr lang="it-IT" sz="1400" dirty="0"/>
+              <a:t>No</a:t>
+            </a:r>
+          </a:p>
+        </p:txBody>
+      </p:sp>
+      <p:sp>
+        <p:nvSpPr>
+          <p:cNvPr id="61" name="CasellaDiTesto 60">
+            <a:extLst>
+              <a:ext uri="{FF2B5EF4-FFF2-40B4-BE49-F238E27FC236}">
+                <a16:creationId xmlns:a16="http://schemas.microsoft.com/office/drawing/2014/main" id="{46E31AEE-1520-2E57-96BD-70CD991D8948}"/>
+              </a:ext>
+            </a:extLst>
+          </p:cNvPr>
+          <p:cNvSpPr txBox="1"/>
+          <p:nvPr/>
+        </p:nvSpPr>
+        <p:spPr>
+          <a:xfrm>
+            <a:off x="4992119" y="5412935"/>
+            <a:ext cx="505968" cy="307777"/>
+          </a:xfrm>
+          <a:prstGeom prst="rect">
+            <a:avLst/>
+          </a:prstGeom>
+          <a:noFill/>
+        </p:spPr>
+        <p:txBody>
+          <a:bodyPr wrap="square" rtlCol="0">
+            <a:spAutoFit/>
+          </a:bodyPr>
+          <a:lstStyle/>
+          <a:p>
+            <a:r>
+              <a:rPr lang="en-GB" sz="1400" dirty="0"/>
+              <a:t>Yes</a:t>
+            </a:r>
+          </a:p>
+        </p:txBody>
+      </p:sp>
+      <p:sp>
+        <p:nvSpPr>
+          <p:cNvPr id="62" name="Rettangolo 61">
+            <a:extLst>
+              <a:ext uri="{FF2B5EF4-FFF2-40B4-BE49-F238E27FC236}">
+                <a16:creationId xmlns:a16="http://schemas.microsoft.com/office/drawing/2014/main" id="{D07C5BB2-2D9B-23DE-63E1-B4C24887D246}"/>
+              </a:ext>
+            </a:extLst>
+          </p:cNvPr>
+          <p:cNvSpPr/>
+          <p:nvPr/>
+        </p:nvSpPr>
+        <p:spPr>
+          <a:xfrm>
+            <a:off x="6414121" y="5975994"/>
+            <a:ext cx="731520" cy="247018"/>
+          </a:xfrm>
+          <a:prstGeom prst="rect">
+            <a:avLst/>
+          </a:prstGeom>
+        </p:spPr>
+        <p:style>
+          <a:lnRef idx="1">
+            <a:schemeClr val="accent5"/>
+          </a:lnRef>
+          <a:fillRef idx="2">
+            <a:schemeClr val="accent5"/>
+          </a:fillRef>
+          <a:effectRef idx="1">
+            <a:schemeClr val="accent5"/>
+          </a:effectRef>
+          <a:fontRef idx="minor">
+            <a:schemeClr val="dk1"/>
+          </a:fontRef>
+        </p:style>
+        <p:txBody>
+          <a:bodyPr rtlCol="0" anchor="ctr"/>
+          <a:lstStyle/>
+          <a:p>
+            <a:pPr algn="ctr"/>
+            <a:r>
+              <a:rPr lang="it-IT" sz="1400" b="1" dirty="0">
+                <a:solidFill>
+                  <a:schemeClr val="bg1"/>
+                </a:solidFill>
+              </a:rPr>
+              <a:t>MAP A</a:t>
+            </a:r>
+          </a:p>
+        </p:txBody>
+      </p:sp>
+      <p:cxnSp>
+        <p:nvCxnSpPr>
+          <p:cNvPr id="63" name="Connettore 2 62">
+            <a:extLst>
+              <a:ext uri="{FF2B5EF4-FFF2-40B4-BE49-F238E27FC236}">
+                <a16:creationId xmlns:a16="http://schemas.microsoft.com/office/drawing/2014/main" id="{7FF34B99-BC75-E621-1EAB-46337F79C48C}"/>
+              </a:ext>
+            </a:extLst>
+          </p:cNvPr>
+          <p:cNvCxnSpPr>
+            <a:cxnSpLocks/>
+            <a:stCxn id="23" idx="2"/>
+            <a:endCxn id="62" idx="0"/>
+          </p:cNvCxnSpPr>
+          <p:nvPr/>
+        </p:nvCxnSpPr>
+        <p:spPr>
+          <a:xfrm flipH="1">
+            <a:off x="6779881" y="4897492"/>
+            <a:ext cx="1" cy="1078502"/>
+          </a:xfrm>
+          <a:prstGeom prst="straightConnector1">
+            <a:avLst/>
+          </a:prstGeom>
+          <a:ln>
+            <a:tailEnd type="triangle"/>
+          </a:ln>
+        </p:spPr>
+        <p:style>
+          <a:lnRef idx="1">
+            <a:schemeClr val="dk1"/>
+          </a:lnRef>
+          <a:fillRef idx="0">
+            <a:schemeClr val="dk1"/>
+          </a:fillRef>
+          <a:effectRef idx="0">
+            <a:schemeClr val="dk1"/>
+          </a:effectRef>
+          <a:fontRef idx="minor">
+            <a:schemeClr val="tx1"/>
+          </a:fontRef>
+        </p:style>
+      </p:cxnSp>
+      <p:sp>
+        <p:nvSpPr>
+          <p:cNvPr id="67" name="CasellaDiTesto 66">
+            <a:extLst>
+              <a:ext uri="{FF2B5EF4-FFF2-40B4-BE49-F238E27FC236}">
+                <a16:creationId xmlns:a16="http://schemas.microsoft.com/office/drawing/2014/main" id="{B43B09C6-EEB5-CDAD-7AD5-1F0C94A0FA7C}"/>
+              </a:ext>
+            </a:extLst>
+          </p:cNvPr>
+          <p:cNvSpPr txBox="1"/>
+          <p:nvPr/>
+        </p:nvSpPr>
+        <p:spPr>
+          <a:xfrm>
+            <a:off x="6892657" y="5412935"/>
+            <a:ext cx="505968" cy="307777"/>
+          </a:xfrm>
+          <a:prstGeom prst="rect">
+            <a:avLst/>
+          </a:prstGeom>
+          <a:noFill/>
+        </p:spPr>
+        <p:txBody>
+          <a:bodyPr wrap="square" rtlCol="0">
+            <a:spAutoFit/>
+          </a:bodyPr>
+          <a:lstStyle/>
+          <a:p>
+            <a:r>
+              <a:rPr lang="en-GB" sz="1400" dirty="0"/>
+              <a:t>Yes</a:t>
+            </a:r>
+          </a:p>
+        </p:txBody>
+      </p:sp>
+      <p:cxnSp>
+        <p:nvCxnSpPr>
+          <p:cNvPr id="68" name="Connettore 2 67">
+            <a:extLst>
+              <a:ext uri="{FF2B5EF4-FFF2-40B4-BE49-F238E27FC236}">
+                <a16:creationId xmlns:a16="http://schemas.microsoft.com/office/drawing/2014/main" id="{9D82CD2D-9E24-8CD1-47FA-F4EE35617745}"/>
+              </a:ext>
+            </a:extLst>
+          </p:cNvPr>
+          <p:cNvCxnSpPr>
+            <a:cxnSpLocks/>
+            <a:stCxn id="23" idx="3"/>
+            <a:endCxn id="71" idx="1"/>
+          </p:cNvCxnSpPr>
+          <p:nvPr/>
+        </p:nvCxnSpPr>
+        <p:spPr>
+          <a:xfrm>
+            <a:off x="7593698" y="4598652"/>
+            <a:ext cx="379990" cy="5650"/>
+          </a:xfrm>
+          <a:prstGeom prst="straightConnector1">
+            <a:avLst/>
+          </a:prstGeom>
+          <a:ln>
+            <a:tailEnd type="triangle"/>
+          </a:ln>
+        </p:spPr>
+        <p:style>
+          <a:lnRef idx="1">
+            <a:schemeClr val="dk1"/>
+          </a:lnRef>
+          <a:fillRef idx="0">
+            <a:schemeClr val="dk1"/>
+          </a:fillRef>
+          <a:effectRef idx="0">
+            <a:schemeClr val="dk1"/>
+          </a:effectRef>
+          <a:fontRef idx="minor">
+            <a:schemeClr val="tx1"/>
+          </a:fontRef>
+        </p:style>
+      </p:cxnSp>
+      <p:sp>
+        <p:nvSpPr>
+          <p:cNvPr id="71" name="Rettangolo 70">
+            <a:extLst>
+              <a:ext uri="{FF2B5EF4-FFF2-40B4-BE49-F238E27FC236}">
+                <a16:creationId xmlns:a16="http://schemas.microsoft.com/office/drawing/2014/main" id="{64EAA004-A582-1C73-0895-E11A05149ED9}"/>
+              </a:ext>
+            </a:extLst>
+          </p:cNvPr>
+          <p:cNvSpPr/>
+          <p:nvPr/>
+        </p:nvSpPr>
+        <p:spPr>
+          <a:xfrm>
+            <a:off x="7973688" y="4480793"/>
+            <a:ext cx="731520" cy="247018"/>
+          </a:xfrm>
+          <a:prstGeom prst="rect">
+            <a:avLst/>
+          </a:prstGeom>
+        </p:spPr>
+        <p:style>
+          <a:lnRef idx="1">
+            <a:schemeClr val="accent6"/>
+          </a:lnRef>
+          <a:fillRef idx="2">
+            <a:schemeClr val="accent6"/>
+          </a:fillRef>
+          <a:effectRef idx="1">
+            <a:schemeClr val="accent6"/>
+          </a:effectRef>
+          <a:fontRef idx="minor">
+            <a:schemeClr val="dk1"/>
+          </a:fontRef>
+        </p:style>
+        <p:txBody>
+          <a:bodyPr rtlCol="0" anchor="ctr"/>
+          <a:lstStyle/>
+          <a:p>
+            <a:pPr algn="ctr"/>
+            <a:r>
+              <a:rPr lang="it-IT" sz="1400" b="1" dirty="0">
+                <a:solidFill>
+                  <a:schemeClr val="bg1"/>
+                </a:solidFill>
+              </a:rPr>
+              <a:t>MAP B</a:t>
+            </a:r>
+          </a:p>
+        </p:txBody>
+      </p:sp>
+      <p:sp>
+        <p:nvSpPr>
+          <p:cNvPr id="75" name="CasellaDiTesto 74">
+            <a:extLst>
+              <a:ext uri="{FF2B5EF4-FFF2-40B4-BE49-F238E27FC236}">
+                <a16:creationId xmlns:a16="http://schemas.microsoft.com/office/drawing/2014/main" id="{3B0D5B67-8A25-5B58-76D5-67340326C9A8}"/>
+              </a:ext>
+            </a:extLst>
+          </p:cNvPr>
+          <p:cNvSpPr txBox="1"/>
+          <p:nvPr/>
+        </p:nvSpPr>
+        <p:spPr>
+          <a:xfrm>
+            <a:off x="7593057" y="4274665"/>
+            <a:ext cx="505968" cy="307777"/>
+          </a:xfrm>
+          <a:prstGeom prst="rect">
+            <a:avLst/>
+          </a:prstGeom>
+          <a:noFill/>
+        </p:spPr>
+        <p:txBody>
+          <a:bodyPr wrap="square" rtlCol="0">
+            <a:spAutoFit/>
+          </a:bodyPr>
+          <a:lstStyle/>
+          <a:p>
+            <a:r>
+              <a:rPr lang="it-IT" sz="1400" dirty="0"/>
+              <a:t>No</a:t>
+            </a:r>
           </a:p>
         </p:txBody>
       </p:sp>
@@ -10982,7 +11469,7 @@
         <p:spPr>
           <a:xfrm>
             <a:off x="3662203" y="1896792"/>
-            <a:ext cx="4658837" cy="4302840"/>
+            <a:ext cx="5033741" cy="4302840"/>
           </a:xfrm>
         </p:spPr>
         <p:txBody>
@@ -10996,54 +11483,8 @@
               <a:buAutoNum type="arabicPeriod"/>
             </a:pPr>
             <a:r>
-              <a:rPr lang="en-US" sz="1400" dirty="0"/>
+              <a:rPr lang="en-US" sz="1200" dirty="0"/>
               <a:t>The given </a:t>
-            </a:r>
-            <a:r>
-              <a:rPr lang="en-US" sz="1400" dirty="0">
-                <a:solidFill>
-                  <a:srgbClr val="00B0F0"/>
-                </a:solidFill>
-              </a:rPr>
-              <a:t>record</a:t>
-            </a:r>
-            <a:r>
-              <a:rPr lang="en-US" sz="1400" dirty="0"/>
-              <a:t> is divided into three segments and the </a:t>
-            </a:r>
-            <a:r>
-              <a:rPr lang="en-US" sz="1400" dirty="0">
-                <a:solidFill>
-                  <a:srgbClr val="7030A0"/>
-                </a:solidFill>
-              </a:rPr>
-              <a:t>modulus</a:t>
-            </a:r>
-            <a:r>
-              <a:rPr lang="en-US" sz="1400" dirty="0"/>
-              <a:t> is taken</a:t>
-            </a:r>
-          </a:p>
-          <a:p>
-            <a:pPr marL="800100" lvl="1" indent="-342900">
-              <a:buFont typeface="+mj-lt"/>
-              <a:buAutoNum type="arabicPeriod"/>
-            </a:pPr>
-            <a:r>
-              <a:rPr lang="en-US" sz="1200" dirty="0"/>
-              <a:t>Atrial phase: </a:t>
-            </a:r>
-            <a:r>
-              <a:rPr lang="en-US" sz="1200" dirty="0">
-                <a:solidFill>
-                  <a:srgbClr val="7030A0"/>
-                </a:solidFill>
-              </a:rPr>
-              <a:t>abs</a:t>
-            </a:r>
-            <a:r>
-              <a:rPr lang="en-US" sz="1200" dirty="0"/>
-              <a:t>(</a:t>
             </a:r>
             <a:r>
               <a:rPr lang="en-US" sz="1200" dirty="0">
@@ -11055,10 +11496,56 @@
             </a:r>
             <a:r>
               <a:rPr lang="en-US" sz="1200" dirty="0"/>
+              <a:t> is divided into three segments and the </a:t>
+            </a:r>
+            <a:r>
+              <a:rPr lang="en-US" sz="1200" dirty="0">
+                <a:solidFill>
+                  <a:srgbClr val="7030A0"/>
+                </a:solidFill>
+              </a:rPr>
+              <a:t>modulus</a:t>
+            </a:r>
+            <a:r>
+              <a:rPr lang="en-US" sz="1200" dirty="0"/>
+              <a:t> is taken</a:t>
+            </a:r>
+          </a:p>
+          <a:p>
+            <a:pPr marL="800100" lvl="1" indent="-342900">
+              <a:buFont typeface="+mj-lt"/>
+              <a:buAutoNum type="arabicPeriod"/>
+            </a:pPr>
+            <a:r>
+              <a:rPr lang="en-US" sz="1100" dirty="0"/>
+              <a:t>Atrial phase: </a:t>
+            </a:r>
+            <a:r>
+              <a:rPr lang="en-US" sz="1100" dirty="0">
+                <a:solidFill>
+                  <a:srgbClr val="7030A0"/>
+                </a:solidFill>
+              </a:rPr>
+              <a:t>abs</a:t>
+            </a:r>
+            <a:r>
+              <a:rPr lang="en-US" sz="1100" dirty="0"/>
+              <a:t>(</a:t>
+            </a:r>
+            <a:r>
+              <a:rPr lang="en-US" sz="1100" dirty="0">
+                <a:solidFill>
+                  <a:srgbClr val="00B0F0"/>
+                </a:solidFill>
+              </a:rPr>
+              <a:t>record</a:t>
+            </a:r>
+            <a:r>
+              <a:rPr lang="en-US" sz="1100" dirty="0"/>
               <a:t>[t=0 : t=</a:t>
             </a:r>
             <a:r>
-              <a:rPr lang="en-US" sz="1200" dirty="0">
+              <a:rPr lang="en-US" sz="1100" dirty="0">
                 <a:solidFill>
                   <a:srgbClr val="0070C0"/>
                 </a:solidFill>
@@ -11066,7 +11553,7 @@
               <a:t>0.38</a:t>
             </a:r>
             <a:r>
-              <a:rPr lang="en-US" sz="1200" dirty="0"/>
+              <a:rPr lang="en-US" sz="1100" dirty="0"/>
               <a:t>])</a:t>
             </a:r>
           </a:p>
@@ -11076,11 +11563,11 @@
               <a:buAutoNum type="arabicPeriod"/>
             </a:pPr>
             <a:r>
-              <a:rPr lang="en-US" sz="1200" dirty="0"/>
+              <a:rPr lang="en-US" sz="1100" dirty="0"/>
               <a:t>Ventricular phase: </a:t>
             </a:r>
             <a:r>
-              <a:rPr lang="en-US" sz="1200" dirty="0">
+              <a:rPr lang="en-US" sz="1100" dirty="0">
                 <a:solidFill>
                   <a:srgbClr val="7030A0"/>
                 </a:solidFill>
@@ -11088,11 +11575,11 @@
               <a:t>abs</a:t>
             </a:r>
             <a:r>
-              <a:rPr lang="en-US" sz="1200" dirty="0"/>
+              <a:rPr lang="en-US" sz="1100" dirty="0"/>
               <a:t>(</a:t>
             </a:r>
             <a:r>
-              <a:rPr lang="en-US" sz="1200" dirty="0">
+              <a:rPr lang="en-US" sz="1100" dirty="0">
                 <a:solidFill>
                   <a:srgbClr val="00B0F0"/>
                 </a:solidFill>
@@ -11100,11 +11587,11 @@
               <a:t>record</a:t>
             </a:r>
             <a:r>
-              <a:rPr lang="en-US" sz="1200" dirty="0"/>
+              <a:rPr lang="en-US" sz="1100" dirty="0"/>
               <a:t>[t=</a:t>
             </a:r>
             <a:r>
-              <a:rPr lang="en-US" sz="1200" dirty="0">
+              <a:rPr lang="en-US" sz="1100" dirty="0">
                 <a:solidFill>
                   <a:schemeClr val="accent6">
                     <a:lumMod val="75000"/>
@@ -11114,15 +11601,15 @@
               <a:t>0.42</a:t>
             </a:r>
             <a:r>
-              <a:rPr lang="en-US" sz="1200" dirty="0"/>
+              <a:rPr lang="en-US" sz="1100" dirty="0"/>
               <a:t> : t=</a:t>
             </a:r>
             <a:r>
-              <a:rPr lang="en-US" sz="1200" dirty="0" err="1"/>
+              <a:rPr lang="en-US" sz="1100" dirty="0" err="1"/>
               <a:t>t_end</a:t>
             </a:r>
             <a:r>
-              <a:rPr lang="en-US" sz="1200" dirty="0"/>
+              <a:rPr lang="en-US" sz="1100" dirty="0"/>
               <a:t>])</a:t>
             </a:r>
           </a:p>
@@ -11132,11 +11619,11 @@
               <a:buAutoNum type="arabicPeriod"/>
             </a:pPr>
             <a:r>
-              <a:rPr lang="en-US" sz="1200" dirty="0"/>
+              <a:rPr lang="en-US" sz="1100" dirty="0"/>
               <a:t>His phase: </a:t>
             </a:r>
             <a:r>
-              <a:rPr lang="en-US" sz="1200" dirty="0">
+              <a:rPr lang="en-US" sz="1100" dirty="0">
                 <a:solidFill>
                   <a:srgbClr val="7030A0"/>
                 </a:solidFill>
@@ -11144,11 +11631,11 @@
               <a:t>abs</a:t>
             </a:r>
             <a:r>
-              <a:rPr lang="en-US" sz="1200" dirty="0"/>
+              <a:rPr lang="en-US" sz="1100" dirty="0"/>
               <a:t>(</a:t>
             </a:r>
             <a:r>
-              <a:rPr lang="en-US" sz="1200" dirty="0">
+              <a:rPr lang="en-US" sz="1100" dirty="0">
                 <a:solidFill>
                   <a:srgbClr val="00B0F0"/>
                 </a:solidFill>
@@ -11156,11 +11643,11 @@
               <a:t>record</a:t>
             </a:r>
             <a:r>
-              <a:rPr lang="en-US" sz="1200" dirty="0"/>
+              <a:rPr lang="en-US" sz="1100" dirty="0"/>
               <a:t>[t=</a:t>
             </a:r>
             <a:r>
-              <a:rPr lang="en-US" sz="1200" dirty="0">
+              <a:rPr lang="en-US" sz="1100" dirty="0">
                 <a:solidFill>
                   <a:srgbClr val="0070C0"/>
                 </a:solidFill>
@@ -11168,11 +11655,11 @@
               <a:t>0.38</a:t>
             </a:r>
             <a:r>
-              <a:rPr lang="en-US" sz="1200" dirty="0"/>
+              <a:rPr lang="en-US" sz="1100" dirty="0"/>
               <a:t> : t=</a:t>
             </a:r>
             <a:r>
-              <a:rPr lang="en-US" sz="1200" dirty="0">
+              <a:rPr lang="en-US" sz="1100" dirty="0">
                 <a:solidFill>
                   <a:schemeClr val="accent6">
                     <a:lumMod val="75000"/>
@@ -11182,7 +11669,7 @@
               <a:t>0.42</a:t>
             </a:r>
             <a:r>
-              <a:rPr lang="en-US" sz="1200" dirty="0"/>
+              <a:rPr lang="en-US" sz="1100" dirty="0"/>
               <a:t>])</a:t>
             </a:r>
           </a:p>
@@ -11192,10 +11679,10 @@
               <a:buAutoNum type="arabicPeriod"/>
             </a:pPr>
             <a:r>
-              <a:rPr lang="en-US" sz="1400" dirty="0"/>
+              <a:rPr lang="en-US" sz="1200" dirty="0"/>
               <a:t>Into each segment the maximum is evaluated</a:t>
             </a:r>
-            <a:endParaRPr lang="en-US" sz="1100" dirty="0"/>
+            <a:endParaRPr lang="en-US" sz="1050" dirty="0"/>
           </a:p>
           <a:p>
             <a:pPr marL="342900" indent="-342900">
@@ -11203,11 +11690,11 @@
               <a:buAutoNum type="arabicPeriod"/>
             </a:pPr>
             <a:r>
-              <a:rPr lang="en-US" sz="1400" dirty="0" err="1"/>
+              <a:rPr lang="en-US" sz="1200" dirty="0" err="1"/>
               <a:t>His_bundle</a:t>
             </a:r>
             <a:r>
-              <a:rPr lang="en-US" sz="1400" dirty="0"/>
+              <a:rPr lang="en-US" sz="1200" dirty="0"/>
               <a:t> peak is compared with the threshold</a:t>
             </a:r>
           </a:p>
@@ -11217,7 +11704,7 @@
               <a:buAutoNum type="arabicPeriod"/>
             </a:pPr>
             <a:r>
-              <a:rPr lang="en-US" sz="1200" dirty="0">
+              <a:rPr lang="en-US" sz="1100" dirty="0">
                 <a:solidFill>
                   <a:srgbClr val="7030A0"/>
                 </a:solidFill>
@@ -11225,41 +11712,41 @@
               <a:t>If </a:t>
             </a:r>
             <a:r>
-              <a:rPr lang="en-US" sz="1200" dirty="0" err="1"/>
+              <a:rPr lang="en-US" sz="1100" dirty="0" err="1"/>
               <a:t>his_peak</a:t>
             </a:r>
             <a:r>
-              <a:rPr lang="en-US" sz="1200" dirty="0"/>
+              <a:rPr lang="en-US" sz="1100" dirty="0"/>
               <a:t>&lt;</a:t>
             </a:r>
             <a:r>
-              <a:rPr lang="en-US" sz="1200" dirty="0" err="1"/>
+              <a:rPr lang="en-US" sz="1100" dirty="0" err="1"/>
               <a:t>his_bundle_th</a:t>
             </a:r>
             <a:r>
-              <a:rPr lang="en-US" sz="1200" dirty="0"/>
+              <a:rPr lang="en-US" sz="1100" dirty="0"/>
               <a:t> </a:t>
             </a:r>
             <a:r>
-              <a:rPr lang="en-US" sz="1200" dirty="0">
+              <a:rPr lang="en-US" sz="1100" dirty="0">
                 <a:sym typeface="Wingdings" panose="05000000000000000000" pitchFamily="2" charset="2"/>
               </a:rPr>
               <a:t> </a:t>
             </a:r>
             <a:r>
-              <a:rPr lang="en-US" sz="1200" dirty="0" err="1">
+              <a:rPr lang="en-US" sz="1100" dirty="0" err="1">
                 <a:sym typeface="Wingdings" panose="05000000000000000000" pitchFamily="2" charset="2"/>
               </a:rPr>
               <a:t>his_peak</a:t>
             </a:r>
             <a:r>
-              <a:rPr lang="en-US" sz="1200" dirty="0">
+              <a:rPr lang="en-US" sz="1100" dirty="0">
                 <a:sym typeface="Wingdings" panose="05000000000000000000" pitchFamily="2" charset="2"/>
               </a:rPr>
               <a:t> = </a:t>
             </a:r>
             <a:r>
-              <a:rPr lang="en-US" sz="1200" dirty="0" err="1">
+              <a:rPr lang="en-US" sz="1100" dirty="0" err="1">
                 <a:solidFill>
                   <a:srgbClr val="7030A0"/>
                 </a:solidFill>
@@ -11267,7 +11754,7 @@
               </a:rPr>
               <a:t>NaN</a:t>
             </a:r>
-            <a:endParaRPr lang="en-US" sz="1200" dirty="0">
+            <a:endParaRPr lang="en-US" sz="1100" dirty="0">
               <a:solidFill>
                 <a:srgbClr val="7030A0"/>
               </a:solidFill>
@@ -11278,7 +11765,7 @@
               <a:buFont typeface="+mj-lt"/>
               <a:buAutoNum type="arabicPeriod"/>
             </a:pPr>
-            <a:endParaRPr lang="en-US" sz="1100" dirty="0"/>
+            <a:endParaRPr lang="en-US" sz="1050" dirty="0"/>
           </a:p>
           <a:p>
             <a:pPr marL="342900" indent="-342900">
@@ -11286,8 +11773,8 @@
               <a:buAutoNum type="arabicPeriod"/>
             </a:pPr>
             <a:r>
-              <a:rPr lang="en-US" sz="1400" dirty="0"/>
-              <a:t>Finally, the three peaks are compared, and the classification is made:</a:t>
+              <a:rPr lang="en-US" sz="1200" dirty="0"/>
+              <a:t>Then a first block of rules use priors on thresholds :</a:t>
             </a:r>
           </a:p>
           <a:p>
@@ -11296,7 +11783,7 @@
               <a:buAutoNum type="arabicPeriod"/>
             </a:pPr>
             <a:r>
-              <a:rPr lang="en-US" sz="1200" dirty="0">
+              <a:rPr lang="en-US" sz="1100" dirty="0">
                 <a:solidFill>
                   <a:srgbClr val="7030A0"/>
                 </a:solidFill>
@@ -11304,37 +11791,29 @@
               <a:t>If</a:t>
             </a:r>
             <a:r>
-              <a:rPr lang="en-US" sz="1200" dirty="0"/>
-              <a:t> not(</a:t>
-            </a:r>
-            <a:r>
-              <a:rPr lang="en-US" sz="1200" dirty="0" err="1">
-                <a:solidFill>
-                  <a:srgbClr val="7030A0"/>
-                </a:solidFill>
-              </a:rPr>
-              <a:t>isnan</a:t>
-            </a:r>
-            <a:r>
-              <a:rPr lang="en-US" sz="1200" dirty="0"/>
-              <a:t>(</a:t>
-            </a:r>
-            <a:r>
-              <a:rPr lang="en-US" sz="1200" dirty="0" err="1"/>
+              <a:rPr lang="en-US" sz="1100" dirty="0"/>
+              <a:t> </a:t>
+            </a:r>
+            <a:r>
+              <a:rPr lang="en-US" sz="1100" dirty="0" err="1"/>
               <a:t>his_peak</a:t>
             </a:r>
             <a:r>
-              <a:rPr lang="en-US" sz="1200" dirty="0"/>
-              <a:t>)) </a:t>
-            </a:r>
-            <a:r>
-              <a:rPr lang="en-US" sz="1200" dirty="0">
+              <a:rPr lang="en-US" sz="1100" dirty="0"/>
+              <a:t>&gt;</a:t>
+            </a:r>
+            <a:r>
+              <a:rPr lang="en-US" sz="1100" dirty="0" err="1"/>
+              <a:t>th_his</a:t>
+            </a:r>
+            <a:r>
+              <a:rPr lang="en-US" sz="1100" dirty="0">
                 <a:sym typeface="Wingdings" panose="05000000000000000000" pitchFamily="2" charset="2"/>
               </a:rPr>
               <a:t> </a:t>
             </a:r>
             <a:r>
-              <a:rPr lang="en-US" sz="1200" dirty="0">
+              <a:rPr lang="en-US" sz="1100" dirty="0">
                 <a:solidFill>
                   <a:schemeClr val="accent1"/>
                 </a:solidFill>
@@ -11349,55 +11828,43 @@
               <a:buAutoNum type="arabicPeriod"/>
             </a:pPr>
             <a:r>
-              <a:rPr lang="en-US" sz="1200" dirty="0" err="1">
+              <a:rPr lang="en-US" sz="1100" dirty="0">
                 <a:solidFill>
                   <a:srgbClr val="7030A0"/>
                 </a:solidFill>
                 <a:sym typeface="Wingdings" panose="05000000000000000000" pitchFamily="2" charset="2"/>
               </a:rPr>
-              <a:t>Elif</a:t>
-            </a:r>
-            <a:r>
-              <a:rPr lang="en-US" sz="1200" dirty="0">
+              <a:t>Else:</a:t>
+            </a:r>
+          </a:p>
+          <a:p>
+            <a:pPr marL="1257300" lvl="2" indent="-342900">
+              <a:buFont typeface="+mj-lt"/>
+              <a:buAutoNum type="arabicPeriod"/>
+            </a:pPr>
+            <a:r>
+              <a:rPr lang="en-US" sz="1100" dirty="0">
                 <a:solidFill>
                   <a:srgbClr val="7030A0"/>
                 </a:solidFill>
                 <a:sym typeface="Wingdings" panose="05000000000000000000" pitchFamily="2" charset="2"/>
               </a:rPr>
-              <a:t> </a:t>
-            </a:r>
-            <a:r>
-              <a:rPr lang="en-US" sz="1200" dirty="0">
-                <a:sym typeface="Wingdings" panose="05000000000000000000" pitchFamily="2" charset="2"/>
-              </a:rPr>
-              <a:t>[</a:t>
-            </a:r>
-            <a:r>
-              <a:rPr lang="en-US" sz="1200" dirty="0" err="1">
+              <a:t>Elif </a:t>
+            </a:r>
+            <a:r>
+              <a:rPr lang="en-US" sz="1100" dirty="0" err="1">
                 <a:sym typeface="Wingdings" panose="05000000000000000000" pitchFamily="2" charset="2"/>
               </a:rPr>
               <a:t>atrial_peak</a:t>
             </a:r>
             <a:r>
-              <a:rPr lang="en-US" sz="1200" dirty="0">
+              <a:rPr lang="en-US" sz="1100" dirty="0">
                 <a:sym typeface="Wingdings" panose="05000000000000000000" pitchFamily="2" charset="2"/>
               </a:rPr>
-              <a:t>&gt;</a:t>
-            </a:r>
-            <a:r>
-              <a:rPr lang="en-US" sz="1200" dirty="0" err="1">
-                <a:sym typeface="Wingdings" panose="05000000000000000000" pitchFamily="2" charset="2"/>
-              </a:rPr>
-              <a:t>vent_peak</a:t>
-            </a:r>
-            <a:r>
-              <a:rPr lang="en-US" sz="1200" dirty="0">
-                <a:sym typeface="Wingdings" panose="05000000000000000000" pitchFamily="2" charset="2"/>
-              </a:rPr>
-              <a:t>  </a:t>
-            </a:r>
-            <a:r>
-              <a:rPr lang="en-US" sz="1200" dirty="0">
+              <a:t>&gt;0.5 </a:t>
+            </a:r>
+            <a:r>
+              <a:rPr lang="en-US" sz="1100" dirty="0">
                 <a:solidFill>
                   <a:srgbClr val="0070C0"/>
                 </a:solidFill>
@@ -11407,27 +11874,39 @@
             </a:r>
           </a:p>
           <a:p>
-            <a:pPr marL="800100" lvl="1" indent="-342900">
+            <a:pPr marL="1257300" lvl="2" indent="-342900">
               <a:buFont typeface="+mj-lt"/>
               <a:buAutoNum type="arabicPeriod"/>
             </a:pPr>
             <a:r>
-              <a:rPr lang="en-US" sz="1200" dirty="0">
+              <a:rPr lang="en-US" sz="1100" dirty="0">
                 <a:solidFill>
                   <a:srgbClr val="7030A0"/>
                 </a:solidFill>
                 <a:sym typeface="Wingdings" panose="05000000000000000000" pitchFamily="2" charset="2"/>
               </a:rPr>
-              <a:t>Else </a:t>
-            </a:r>
-            <a:r>
-              <a:rPr lang="en-US" sz="1200" dirty="0">
+              <a:t>Elif </a:t>
+            </a:r>
+            <a:r>
+              <a:rPr lang="en-US" sz="1100" dirty="0">
                 <a:sym typeface="Wingdings" panose="05000000000000000000" pitchFamily="2" charset="2"/>
               </a:rPr>
-              <a:t> </a:t>
-            </a:r>
-            <a:r>
-              <a:rPr lang="en-US" sz="1200" dirty="0">
+              <a:t>0.1&lt;</a:t>
+            </a:r>
+            <a:r>
+              <a:rPr lang="en-US" sz="1100" dirty="0" err="1">
+                <a:sym typeface="Wingdings" panose="05000000000000000000" pitchFamily="2" charset="2"/>
+              </a:rPr>
+              <a:t>atrial_peak</a:t>
+            </a:r>
+            <a:r>
+              <a:rPr lang="en-US" sz="1100" dirty="0">
+                <a:sym typeface="Wingdings" panose="05000000000000000000" pitchFamily="2" charset="2"/>
+              </a:rPr>
+              <a:t>&lt;0.3 </a:t>
+            </a:r>
+            <a:r>
+              <a:rPr lang="en-US" sz="1100" dirty="0">
                 <a:solidFill>
                   <a:srgbClr val="00B050"/>
                 </a:solidFill>
@@ -11435,10 +11914,128 @@
               </a:rPr>
               <a:t>MAP_B</a:t>
             </a:r>
+          </a:p>
+          <a:p>
+            <a:pPr marL="342900" indent="-342900">
+              <a:buFont typeface="+mj-lt"/>
+              <a:buAutoNum type="arabicPeriod"/>
+            </a:pPr>
+            <a:r>
+              <a:rPr lang="en-US" sz="1200" dirty="0">
+                <a:sym typeface="Wingdings" panose="05000000000000000000" pitchFamily="2" charset="2"/>
+              </a:rPr>
+              <a:t>And one utilizes the information regarding the dominance between the atrial and ventricular peaks</a:t>
+            </a:r>
+            <a:endParaRPr lang="en-US" sz="800" dirty="0">
+              <a:sym typeface="Wingdings" panose="05000000000000000000" pitchFamily="2" charset="2"/>
+            </a:endParaRPr>
+          </a:p>
+          <a:p>
+            <a:pPr marL="800100" lvl="1" indent="-342900">
+              <a:buFont typeface="+mj-lt"/>
+              <a:buAutoNum type="arabicPeriod"/>
+            </a:pPr>
+            <a:r>
+              <a:rPr lang="en-US" sz="1100" dirty="0">
+                <a:solidFill>
+                  <a:srgbClr val="7030A0"/>
+                </a:solidFill>
+                <a:sym typeface="Wingdings" panose="05000000000000000000" pitchFamily="2" charset="2"/>
+              </a:rPr>
+              <a:t>Elif </a:t>
+            </a:r>
+            <a:r>
+              <a:rPr lang="en-US" sz="1100" dirty="0" err="1">
+                <a:sym typeface="Wingdings" panose="05000000000000000000" pitchFamily="2" charset="2"/>
+              </a:rPr>
+              <a:t>atrial_peak</a:t>
+            </a:r>
+            <a:r>
+              <a:rPr lang="en-US" sz="1100" dirty="0">
+                <a:sym typeface="Wingdings" panose="05000000000000000000" pitchFamily="2" charset="2"/>
+              </a:rPr>
+              <a:t>&gt;</a:t>
+            </a:r>
+            <a:r>
+              <a:rPr lang="en-US" sz="1100" dirty="0" err="1">
+                <a:sym typeface="Wingdings" panose="05000000000000000000" pitchFamily="2" charset="2"/>
+              </a:rPr>
+              <a:t>vent_peak</a:t>
+            </a:r>
+            <a:r>
+              <a:rPr lang="en-US" sz="1100" dirty="0">
+                <a:sym typeface="Wingdings" panose="05000000000000000000" pitchFamily="2" charset="2"/>
+              </a:rPr>
+              <a:t> </a:t>
+            </a:r>
+            <a:r>
+              <a:rPr lang="en-US" sz="1100" dirty="0">
+                <a:solidFill>
+                  <a:srgbClr val="0070C0"/>
+                </a:solidFill>
+                <a:sym typeface="Wingdings" panose="05000000000000000000" pitchFamily="2" charset="2"/>
+              </a:rPr>
+              <a:t>MAP_A </a:t>
+            </a:r>
+          </a:p>
+          <a:p>
+            <a:pPr marL="800100" lvl="1" indent="-342900">
+              <a:buFont typeface="+mj-lt"/>
+              <a:buAutoNum type="arabicPeriod"/>
+            </a:pPr>
+            <a:r>
+              <a:rPr lang="en-US" sz="1100" dirty="0">
+                <a:solidFill>
+                  <a:srgbClr val="7030A0"/>
+                </a:solidFill>
+                <a:sym typeface="Wingdings" panose="05000000000000000000" pitchFamily="2" charset="2"/>
+              </a:rPr>
+              <a:t>Else</a:t>
+            </a:r>
+            <a:r>
+              <a:rPr lang="en-US" sz="1100" dirty="0">
+                <a:solidFill>
+                  <a:srgbClr val="0070C0"/>
+                </a:solidFill>
+                <a:sym typeface="Wingdings" panose="05000000000000000000" pitchFamily="2" charset="2"/>
+              </a:rPr>
+              <a:t> </a:t>
+            </a:r>
+            <a:r>
+              <a:rPr lang="en-US" sz="1100" dirty="0">
+                <a:sym typeface="Wingdings" panose="05000000000000000000" pitchFamily="2" charset="2"/>
+              </a:rPr>
+              <a:t> </a:t>
+            </a:r>
+            <a:r>
+              <a:rPr lang="en-US" sz="1100" dirty="0">
+                <a:solidFill>
+                  <a:srgbClr val="00B050"/>
+                </a:solidFill>
+                <a:sym typeface="Wingdings" panose="05000000000000000000" pitchFamily="2" charset="2"/>
+              </a:rPr>
+              <a:t>MAP_B</a:t>
+            </a:r>
+          </a:p>
+          <a:p>
+            <a:pPr marL="800100" lvl="1" indent="-342900">
+              <a:buFont typeface="+mj-lt"/>
+              <a:buAutoNum type="arabicPeriod"/>
+            </a:pPr>
+            <a:endParaRPr lang="en-US" sz="1100" dirty="0">
+              <a:solidFill>
+                <a:srgbClr val="0070C0"/>
+              </a:solidFill>
+              <a:sym typeface="Wingdings" panose="05000000000000000000" pitchFamily="2" charset="2"/>
+            </a:endParaRPr>
+          </a:p>
+          <a:p>
+            <a:pPr marL="342900" indent="-342900">
+              <a:buFont typeface="+mj-lt"/>
+              <a:buAutoNum type="arabicPeriod"/>
+            </a:pPr>
             <a:endParaRPr lang="en-US" sz="1200" dirty="0">
-              <a:solidFill>
-                <a:srgbClr val="00B050"/>
-              </a:solidFill>
+              <a:sym typeface="Wingdings" panose="05000000000000000000" pitchFamily="2" charset="2"/>
             </a:endParaRPr>
           </a:p>
         </p:txBody>
@@ -11513,52 +12110,6 @@
           </a:prstGeom>
         </p:spPr>
       </p:pic>
-      <p:sp>
-        <p:nvSpPr>
-          <p:cNvPr id="11" name="Rettangolo 10">
-            <a:extLst>
-              <a:ext uri="{FF2B5EF4-FFF2-40B4-BE49-F238E27FC236}">
-                <a16:creationId xmlns:a16="http://schemas.microsoft.com/office/drawing/2014/main" id="{62D163F3-753A-0211-DBE9-E8BB8719904C}"/>
-              </a:ext>
-            </a:extLst>
-          </p:cNvPr>
-          <p:cNvSpPr/>
-          <p:nvPr/>
-        </p:nvSpPr>
-        <p:spPr>
-          <a:xfrm>
-            <a:off x="9518904" y="2612741"/>
-            <a:ext cx="493776" cy="816259"/>
-          </a:xfrm>
-          <a:prstGeom prst="rect">
-            <a:avLst/>
-          </a:prstGeom>
-        </p:spPr>
-        <p:style>
-          <a:lnRef idx="2">
-            <a:schemeClr val="accent1">
-              <a:shade val="15000"/>
-            </a:schemeClr>
-          </a:lnRef>
-          <a:fillRef idx="1">
-            <a:schemeClr val="accent1"/>
-          </a:fillRef>
-          <a:effectRef idx="0">
-            <a:schemeClr val="accent1"/>
-          </a:effectRef>
-          <a:fontRef idx="minor">
-            <a:schemeClr val="lt1"/>
-          </a:fontRef>
-        </p:style>
-        <p:txBody>
-          <a:bodyPr rtlCol="0" anchor="ctr"/>
-          <a:lstStyle/>
-          <a:p>
-            <a:pPr algn="ctr"/>
-            <a:endParaRPr lang="it-IT"/>
-          </a:p>
-        </p:txBody>
-      </p:sp>
     </p:spTree>
     <p:extLst>
       <p:ext uri="{BB962C8B-B14F-4D97-AF65-F5344CB8AC3E}">
@@ -12190,6 +12741,58 @@
           </a:fontRef>
         </p:style>
       </p:cxnSp>
+      <p:sp>
+        <p:nvSpPr>
+          <p:cNvPr id="3" name="Rettangolo con angoli arrotondati 2">
+            <a:extLst>
+              <a:ext uri="{FF2B5EF4-FFF2-40B4-BE49-F238E27FC236}">
+                <a16:creationId xmlns:a16="http://schemas.microsoft.com/office/drawing/2014/main" id="{AD2C9CDB-A2FE-329E-690C-364A599BE186}"/>
+              </a:ext>
+            </a:extLst>
+          </p:cNvPr>
+          <p:cNvSpPr/>
+          <p:nvPr/>
+        </p:nvSpPr>
+        <p:spPr>
+          <a:xfrm>
+            <a:off x="8408231" y="5332490"/>
+            <a:ext cx="2945569" cy="950976"/>
+          </a:xfrm>
+          <a:prstGeom prst="roundRect">
+            <a:avLst/>
+          </a:prstGeom>
+        </p:spPr>
+        <p:style>
+          <a:lnRef idx="1">
+            <a:schemeClr val="accent3"/>
+          </a:lnRef>
+          <a:fillRef idx="2">
+            <a:schemeClr val="accent3"/>
+          </a:fillRef>
+          <a:effectRef idx="1">
+            <a:schemeClr val="accent3"/>
+          </a:effectRef>
+          <a:fontRef idx="minor">
+            <a:schemeClr val="dk1"/>
+          </a:fontRef>
+        </p:style>
+        <p:txBody>
+          <a:bodyPr rtlCol="0" anchor="ctr"/>
+          <a:lstStyle/>
+          <a:p>
+            <a:r>
+              <a:rPr lang="en-GB" sz="1100" dirty="0">
+                <a:solidFill>
+                  <a:schemeClr val="bg1">
+                    <a:lumMod val="50000"/>
+                  </a:schemeClr>
+                </a:solidFill>
+              </a:rPr>
+              <a:t>If train/test split is done, the threshold is evaluated one time for all. On the other hand, in case of LOPO CV, threshold is evaluated iteratively on the train set of the current iteration. See appendix 1.</a:t>
+            </a:r>
+          </a:p>
+        </p:txBody>
+      </p:sp>
     </p:spTree>
     <p:extLst>
       <p:ext uri="{BB962C8B-B14F-4D97-AF65-F5344CB8AC3E}">
@@ -15597,6 +16200,58 @@
           </a:prstGeom>
         </p:spPr>
       </p:pic>
+      <p:sp>
+        <p:nvSpPr>
+          <p:cNvPr id="3" name="Rettangolo con angoli arrotondati 2">
+            <a:extLst>
+              <a:ext uri="{FF2B5EF4-FFF2-40B4-BE49-F238E27FC236}">
+                <a16:creationId xmlns:a16="http://schemas.microsoft.com/office/drawing/2014/main" id="{98820802-A38F-F412-7C78-7BAD60570E1D}"/>
+              </a:ext>
+            </a:extLst>
+          </p:cNvPr>
+          <p:cNvSpPr/>
+          <p:nvPr/>
+        </p:nvSpPr>
+        <p:spPr>
+          <a:xfrm>
+            <a:off x="8431414" y="5705527"/>
+            <a:ext cx="2945569" cy="577939"/>
+          </a:xfrm>
+          <a:prstGeom prst="roundRect">
+            <a:avLst/>
+          </a:prstGeom>
+        </p:spPr>
+        <p:style>
+          <a:lnRef idx="1">
+            <a:schemeClr val="accent3"/>
+          </a:lnRef>
+          <a:fillRef idx="2">
+            <a:schemeClr val="accent3"/>
+          </a:fillRef>
+          <a:effectRef idx="1">
+            <a:schemeClr val="accent3"/>
+          </a:effectRef>
+          <a:fontRef idx="minor">
+            <a:schemeClr val="dk1"/>
+          </a:fontRef>
+        </p:style>
+        <p:txBody>
+          <a:bodyPr rtlCol="0" anchor="ctr"/>
+          <a:lstStyle/>
+          <a:p>
+            <a:r>
+              <a:rPr lang="en-GB" sz="1100" dirty="0">
+                <a:solidFill>
+                  <a:schemeClr val="bg1">
+                    <a:lumMod val="50000"/>
+                  </a:schemeClr>
+                </a:solidFill>
+              </a:rPr>
+              <a:t>The high number of misclassified MAP A signals into MAP B can be explained by looking directly at signals. See Appendix 2 for more details</a:t>
+            </a:r>
+          </a:p>
+        </p:txBody>
+      </p:sp>
     </p:spTree>
     <p:extLst>
       <p:ext uri="{BB962C8B-B14F-4D97-AF65-F5344CB8AC3E}">
@@ -19765,52 +20420,6 @@
           </a:p>
         </p:txBody>
       </p:sp>
-      <p:sp>
-        <p:nvSpPr>
-          <p:cNvPr id="3" name="Rettangolo 2">
-            <a:extLst>
-              <a:ext uri="{FF2B5EF4-FFF2-40B4-BE49-F238E27FC236}">
-                <a16:creationId xmlns:a16="http://schemas.microsoft.com/office/drawing/2014/main" id="{78AA29DD-1862-63B3-7B76-E1B972303B3B}"/>
-              </a:ext>
-            </a:extLst>
-          </p:cNvPr>
-          <p:cNvSpPr/>
-          <p:nvPr/>
-        </p:nvSpPr>
-        <p:spPr>
-          <a:xfrm>
-            <a:off x="9518904" y="2612741"/>
-            <a:ext cx="493776" cy="816259"/>
-          </a:xfrm>
-          <a:prstGeom prst="rect">
-            <a:avLst/>
-          </a:prstGeom>
-        </p:spPr>
-        <p:style>
-          <a:lnRef idx="2">
-            <a:schemeClr val="accent1">
-              <a:shade val="15000"/>
-            </a:schemeClr>
-          </a:lnRef>
-          <a:fillRef idx="1">
-            <a:schemeClr val="accent1"/>
-          </a:fillRef>
-          <a:effectRef idx="0">
-            <a:schemeClr val="accent1"/>
-          </a:effectRef>
-          <a:fontRef idx="minor">
-            <a:schemeClr val="lt1"/>
-          </a:fontRef>
-        </p:style>
-        <p:txBody>
-          <a:bodyPr rtlCol="0" anchor="ctr"/>
-          <a:lstStyle/>
-          <a:p>
-            <a:pPr algn="ctr"/>
-            <a:endParaRPr lang="it-IT"/>
-          </a:p>
-        </p:txBody>
-      </p:sp>
     </p:spTree>
     <p:extLst>
       <p:ext uri="{BB962C8B-B14F-4D97-AF65-F5344CB8AC3E}">
@@ -21844,6 +22453,53 @@
           </a:p>
         </p:txBody>
       </p:sp>
+      <p:sp>
+        <p:nvSpPr>
+          <p:cNvPr id="3" name="Rettangolo con angoli arrotondati 2">
+            <a:extLst>
+              <a:ext uri="{FF2B5EF4-FFF2-40B4-BE49-F238E27FC236}">
+                <a16:creationId xmlns:a16="http://schemas.microsoft.com/office/drawing/2014/main" id="{8430F66C-FAA0-210B-0F26-C437FDCBF7F5}"/>
+              </a:ext>
+            </a:extLst>
+          </p:cNvPr>
+          <p:cNvSpPr/>
+          <p:nvPr/>
+        </p:nvSpPr>
+        <p:spPr>
+          <a:xfrm>
+            <a:off x="9810972" y="4498470"/>
+            <a:ext cx="1865376" cy="510608"/>
+          </a:xfrm>
+          <a:prstGeom prst="roundRect">
+            <a:avLst/>
+          </a:prstGeom>
+        </p:spPr>
+        <p:style>
+          <a:lnRef idx="1">
+            <a:schemeClr val="accent4"/>
+          </a:lnRef>
+          <a:fillRef idx="2">
+            <a:schemeClr val="accent4"/>
+          </a:fillRef>
+          <a:effectRef idx="1">
+            <a:schemeClr val="accent4"/>
+          </a:effectRef>
+          <a:fontRef idx="minor">
+            <a:schemeClr val="dk1"/>
+          </a:fontRef>
+        </p:style>
+        <p:txBody>
+          <a:bodyPr rtlCol="0" anchor="ctr"/>
+          <a:lstStyle/>
+          <a:p>
+            <a:pPr algn="ctr"/>
+            <a:r>
+              <a:rPr lang="en-GB" sz="1200"/>
+              <a:t>Ref trace: ECG L1 with R peak on 0.5s</a:t>
+            </a:r>
+          </a:p>
+        </p:txBody>
+      </p:sp>
       <p:grpSp>
         <p:nvGrpSpPr>
           <p:cNvPr id="28" name="Gruppo 27">
@@ -22149,6 +22805,41 @@
                                   </p:childTnLst>
                                 </p:cTn>
                               </p:par>
+                              <p:par>
+                                <p:cTn id="11" presetID="10" presetClass="exit" presetSubtype="0" fill="hold" grpId="0" nodeType="withEffect">
+                                  <p:stCondLst>
+                                    <p:cond delay="0"/>
+                                  </p:stCondLst>
+                                  <p:childTnLst>
+                                    <p:animEffect transition="out" filter="fade">
+                                      <p:cBhvr>
+                                        <p:cTn id="12" dur="500"/>
+                                        <p:tgtEl>
+                                          <p:spTgt spid="3"/>
+                                        </p:tgtEl>
+                                      </p:cBhvr>
+                                    </p:animEffect>
+                                    <p:set>
+                                      <p:cBhvr>
+                                        <p:cTn id="13" dur="1" fill="hold">
+                                          <p:stCondLst>
+                                            <p:cond delay="499"/>
+                                          </p:stCondLst>
+                                        </p:cTn>
+                                        <p:tgtEl>
+                                          <p:spTgt spid="3"/>
+                                        </p:tgtEl>
+                                        <p:attrNameLst>
+                                          <p:attrName>style.visibility</p:attrName>
+                                        </p:attrNameLst>
+                                      </p:cBhvr>
+                                      <p:to>
+                                        <p:strVal val="hidden"/>
+                                      </p:to>
+                                    </p:set>
+                                  </p:childTnLst>
+                                </p:cTn>
+                              </p:par>
                             </p:childTnLst>
                           </p:cTn>
                         </p:par>
@@ -22156,26 +22847,26 @@
                     </p:cTn>
                   </p:par>
                   <p:par>
-                    <p:cTn id="11" fill="hold">
+                    <p:cTn id="14" fill="hold">
                       <p:stCondLst>
                         <p:cond delay="indefinite"/>
                       </p:stCondLst>
                       <p:childTnLst>
                         <p:par>
-                          <p:cTn id="12" fill="hold">
+                          <p:cTn id="15" fill="hold">
                             <p:stCondLst>
                               <p:cond delay="0"/>
                             </p:stCondLst>
                             <p:childTnLst>
                               <p:par>
-                                <p:cTn id="13" presetID="2" presetClass="entr" presetSubtype="4" fill="hold" nodeType="clickEffect">
+                                <p:cTn id="16" presetID="2" presetClass="entr" presetSubtype="4" fill="hold" nodeType="clickEffect">
                                   <p:stCondLst>
                                     <p:cond delay="0"/>
                                   </p:stCondLst>
                                   <p:childTnLst>
                                     <p:set>
                                       <p:cBhvr>
-                                        <p:cTn id="14" dur="1" fill="hold">
+                                        <p:cTn id="17" dur="1" fill="hold">
                                           <p:stCondLst>
                                             <p:cond delay="0"/>
                                           </p:stCondLst>
@@ -22197,7 +22888,7 @@
                                     </p:set>
                                     <p:anim calcmode="lin" valueType="num">
                                       <p:cBhvr additive="base">
-                                        <p:cTn id="15" dur="500" fill="hold"/>
+                                        <p:cTn id="18" dur="500" fill="hold"/>
                                         <p:tgtEl>
                                           <p:spTgt spid="15">
                                             <p:txEl>
@@ -22224,7 +22915,7 @@
                                     </p:anim>
                                     <p:anim calcmode="lin" valueType="num">
                                       <p:cBhvr additive="base">
-                                        <p:cTn id="16" dur="500" fill="hold"/>
+                                        <p:cTn id="19" dur="500" fill="hold"/>
                                         <p:tgtEl>
                                           <p:spTgt spid="15">
                                             <p:txEl>
@@ -22253,14 +22944,14 @@
                                 </p:cTn>
                               </p:par>
                               <p:par>
-                                <p:cTn id="17" presetID="6" presetClass="entr" presetSubtype="32" fill="hold" nodeType="withEffect">
+                                <p:cTn id="20" presetID="6" presetClass="entr" presetSubtype="32" fill="hold" nodeType="withEffect">
                                   <p:stCondLst>
                                     <p:cond delay="0"/>
                                   </p:stCondLst>
                                   <p:childTnLst>
                                     <p:set>
                                       <p:cBhvr>
-                                        <p:cTn id="18" dur="1" fill="hold">
+                                        <p:cTn id="21" dur="1" fill="hold">
                                           <p:stCondLst>
                                             <p:cond delay="0"/>
                                           </p:stCondLst>
@@ -22278,7 +22969,7 @@
                                     </p:set>
                                     <p:animEffect transition="in" filter="circle(out)">
                                       <p:cBhvr>
-                                        <p:cTn id="19" dur="500"/>
+                                        <p:cTn id="22" dur="500"/>
                                         <p:tgtEl>
                                           <p:spTgt spid="28"/>
                                         </p:tgtEl>
@@ -22288,14 +22979,14 @@
                                 </p:cTn>
                               </p:par>
                               <p:par>
-                                <p:cTn id="20" presetID="2" presetClass="entr" presetSubtype="4" fill="hold" nodeType="withEffect">
+                                <p:cTn id="23" presetID="2" presetClass="entr" presetSubtype="4" fill="hold" nodeType="withEffect">
                                   <p:stCondLst>
                                     <p:cond delay="0"/>
                                   </p:stCondLst>
                                   <p:childTnLst>
                                     <p:set>
                                       <p:cBhvr>
-                                        <p:cTn id="21" dur="1" fill="hold">
+                                        <p:cTn id="24" dur="1" fill="hold">
                                           <p:stCondLst>
                                             <p:cond delay="0"/>
                                           </p:stCondLst>
@@ -22317,7 +23008,7 @@
                                     </p:set>
                                     <p:anim calcmode="lin" valueType="num">
                                       <p:cBhvr additive="base">
-                                        <p:cTn id="22" dur="500" fill="hold"/>
+                                        <p:cTn id="25" dur="500" fill="hold"/>
                                         <p:tgtEl>
                                           <p:spTgt spid="15">
                                             <p:txEl>
@@ -22344,7 +23035,7 @@
                                     </p:anim>
                                     <p:anim calcmode="lin" valueType="num">
                                       <p:cBhvr additive="base">
-                                        <p:cTn id="23" dur="500" fill="hold"/>
+                                        <p:cTn id="26" dur="500" fill="hold"/>
                                         <p:tgtEl>
                                           <p:spTgt spid="15">
                                             <p:txEl>
@@ -22373,14 +23064,14 @@
                                 </p:cTn>
                               </p:par>
                               <p:par>
-                                <p:cTn id="24" presetID="2" presetClass="entr" presetSubtype="4" fill="hold" nodeType="withEffect">
+                                <p:cTn id="27" presetID="2" presetClass="entr" presetSubtype="4" fill="hold" nodeType="withEffect">
                                   <p:stCondLst>
                                     <p:cond delay="0"/>
                                   </p:stCondLst>
                                   <p:childTnLst>
                                     <p:set>
                                       <p:cBhvr>
-                                        <p:cTn id="25" dur="1" fill="hold">
+                                        <p:cTn id="28" dur="1" fill="hold">
                                           <p:stCondLst>
                                             <p:cond delay="0"/>
                                           </p:stCondLst>
@@ -22402,7 +23093,7 @@
                                     </p:set>
                                     <p:anim calcmode="lin" valueType="num">
                                       <p:cBhvr additive="base">
-                                        <p:cTn id="26" dur="500" fill="hold"/>
+                                        <p:cTn id="29" dur="500" fill="hold"/>
                                         <p:tgtEl>
                                           <p:spTgt spid="15">
                                             <p:txEl>
@@ -22429,7 +23120,7 @@
                                     </p:anim>
                                     <p:anim calcmode="lin" valueType="num">
                                       <p:cBhvr additive="base">
-                                        <p:cTn id="27" dur="500" fill="hold"/>
+                                        <p:cTn id="30" dur="500" fill="hold"/>
                                         <p:tgtEl>
                                           <p:spTgt spid="15">
                                             <p:txEl>
@@ -22464,26 +23155,26 @@
                     </p:cTn>
                   </p:par>
                   <p:par>
-                    <p:cTn id="28" fill="hold">
+                    <p:cTn id="31" fill="hold">
                       <p:stCondLst>
                         <p:cond delay="indefinite"/>
                       </p:stCondLst>
                       <p:childTnLst>
                         <p:par>
-                          <p:cTn id="29" fill="hold">
+                          <p:cTn id="32" fill="hold">
                             <p:stCondLst>
                               <p:cond delay="0"/>
                             </p:stCondLst>
                             <p:childTnLst>
                               <p:par>
-                                <p:cTn id="30" presetID="2" presetClass="entr" presetSubtype="4" fill="hold" nodeType="clickEffect">
+                                <p:cTn id="33" presetID="2" presetClass="entr" presetSubtype="4" fill="hold" nodeType="clickEffect">
                                   <p:stCondLst>
                                     <p:cond delay="0"/>
                                   </p:stCondLst>
                                   <p:childTnLst>
                                     <p:set>
                                       <p:cBhvr>
-                                        <p:cTn id="31" dur="1" fill="hold">
+                                        <p:cTn id="34" dur="1" fill="hold">
                                           <p:stCondLst>
                                             <p:cond delay="0"/>
                                           </p:stCondLst>
@@ -22505,7 +23196,7 @@
                                     </p:set>
                                     <p:anim calcmode="lin" valueType="num">
                                       <p:cBhvr additive="base">
-                                        <p:cTn id="32" dur="500" fill="hold"/>
+                                        <p:cTn id="35" dur="500" fill="hold"/>
                                         <p:tgtEl>
                                           <p:spTgt spid="15">
                                             <p:txEl>
@@ -22532,7 +23223,7 @@
                                     </p:anim>
                                     <p:anim calcmode="lin" valueType="num">
                                       <p:cBhvr additive="base">
-                                        <p:cTn id="33" dur="500" fill="hold"/>
+                                        <p:cTn id="36" dur="500" fill="hold"/>
                                         <p:tgtEl>
                                           <p:spTgt spid="15">
                                             <p:txEl>
@@ -22587,6 +23278,9 @@
         </p:cTn>
       </p:par>
     </p:tnLst>
+    <p:bldLst>
+      <p:bldP spid="3" grpId="0" animBg="1"/>
+    </p:bldLst>
   </p:timing>
 </p:sld>
 </file>
@@ -23363,7 +24057,7 @@
         </p:nvGrpSpPr>
         <p:grpSpPr>
           <a:xfrm>
-            <a:off x="4661123" y="1504120"/>
+            <a:off x="4785356" y="1504120"/>
             <a:ext cx="6437376" cy="4776041"/>
             <a:chOff x="4745736" y="1504120"/>
             <a:chExt cx="6437376" cy="4776041"/>
@@ -23799,24 +24493,15 @@
                                   </p:childTnLst>
                                 </p:cTn>
                               </p:par>
-                            </p:childTnLst>
-                          </p:cTn>
-                        </p:par>
-                        <p:par>
-                          <p:cTn id="18" fill="hold">
-                            <p:stCondLst>
-                              <p:cond delay="500"/>
-                            </p:stCondLst>
-                            <p:childTnLst>
                               <p:par>
-                                <p:cTn id="19" presetID="10" presetClass="exit" presetSubtype="0" fill="hold" nodeType="afterEffect">
+                                <p:cTn id="18" presetID="10" presetClass="exit" presetSubtype="0" fill="hold" nodeType="withEffect">
                                   <p:stCondLst>
                                     <p:cond delay="0"/>
                                   </p:stCondLst>
                                   <p:childTnLst>
                                     <p:animEffect transition="out" filter="fade">
                                       <p:cBhvr>
-                                        <p:cTn id="20" dur="500"/>
+                                        <p:cTn id="19" dur="500"/>
                                         <p:tgtEl>
                                           <p:spTgt spid="14"/>
                                         </p:tgtEl>
@@ -23824,7 +24509,7 @@
                                     </p:animEffect>
                                     <p:set>
                                       <p:cBhvr>
-                                        <p:cTn id="21" dur="1" fill="hold">
+                                        <p:cTn id="20" dur="1" fill="hold">
                                           <p:stCondLst>
                                             <p:cond delay="499"/>
                                           </p:stCondLst>
@@ -23843,24 +24528,15 @@
                                   </p:childTnLst>
                                 </p:cTn>
                               </p:par>
-                            </p:childTnLst>
-                          </p:cTn>
-                        </p:par>
-                        <p:par>
-                          <p:cTn id="22" fill="hold">
-                            <p:stCondLst>
-                              <p:cond delay="1000"/>
-                            </p:stCondLst>
-                            <p:childTnLst>
                               <p:par>
-                                <p:cTn id="23" presetID="6" presetClass="entr" presetSubtype="32" fill="hold" nodeType="afterEffect">
+                                <p:cTn id="21" presetID="6" presetClass="entr" presetSubtype="32" fill="hold" nodeType="withEffect">
                                   <p:stCondLst>
                                     <p:cond delay="0"/>
                                   </p:stCondLst>
                                   <p:childTnLst>
                                     <p:set>
                                       <p:cBhvr>
-                                        <p:cTn id="24" dur="1" fill="hold">
+                                        <p:cTn id="22" dur="1" fill="hold">
                                           <p:stCondLst>
                                             <p:cond delay="0"/>
                                           </p:stCondLst>
@@ -23878,7 +24554,7 @@
                                     </p:set>
                                     <p:animEffect transition="in" filter="circle(out)">
                                       <p:cBhvr>
-                                        <p:cTn id="25" dur="500"/>
+                                        <p:cTn id="23" dur="500"/>
                                         <p:tgtEl>
                                           <p:spTgt spid="12"/>
                                         </p:tgtEl>
@@ -23894,26 +24570,26 @@
                     </p:cTn>
                   </p:par>
                   <p:par>
-                    <p:cTn id="26" fill="hold">
+                    <p:cTn id="24" fill="hold">
                       <p:stCondLst>
                         <p:cond delay="indefinite"/>
                       </p:stCondLst>
                       <p:childTnLst>
                         <p:par>
-                          <p:cTn id="27" fill="hold">
+                          <p:cTn id="25" fill="hold">
                             <p:stCondLst>
                               <p:cond delay="0"/>
                             </p:stCondLst>
                             <p:childTnLst>
                               <p:par>
-                                <p:cTn id="28" presetID="2" presetClass="entr" presetSubtype="4" fill="hold" nodeType="clickEffect">
+                                <p:cTn id="26" presetID="2" presetClass="entr" presetSubtype="4" fill="hold" nodeType="clickEffect">
                                   <p:stCondLst>
                                     <p:cond delay="0"/>
                                   </p:stCondLst>
                                   <p:childTnLst>
                                     <p:set>
                                       <p:cBhvr>
-                                        <p:cTn id="29" dur="1" fill="hold">
+                                        <p:cTn id="27" dur="1" fill="hold">
                                           <p:stCondLst>
                                             <p:cond delay="0"/>
                                           </p:stCondLst>
@@ -23935,7 +24611,7 @@
                                     </p:set>
                                     <p:anim calcmode="lin" valueType="num">
                                       <p:cBhvr additive="base">
-                                        <p:cTn id="30" dur="500" fill="hold"/>
+                                        <p:cTn id="28" dur="500" fill="hold"/>
                                         <p:tgtEl>
                                           <p:spTgt spid="15">
                                             <p:txEl>
@@ -23962,7 +24638,7 @@
                                     </p:anim>
                                     <p:anim calcmode="lin" valueType="num">
                                       <p:cBhvr additive="base">
-                                        <p:cTn id="31" dur="500" fill="hold"/>
+                                        <p:cTn id="29" dur="500" fill="hold"/>
                                         <p:tgtEl>
                                           <p:spTgt spid="15">
                                             <p:txEl>
@@ -23990,6 +24666,76 @@
                                   </p:childTnLst>
                                 </p:cTn>
                               </p:par>
+                              <p:par>
+                                <p:cTn id="30" presetID="10" presetClass="exit" presetSubtype="0" fill="hold" nodeType="withEffect">
+                                  <p:stCondLst>
+                                    <p:cond delay="0"/>
+                                  </p:stCondLst>
+                                  <p:childTnLst>
+                                    <p:animEffect transition="out" filter="fade">
+                                      <p:cBhvr>
+                                        <p:cTn id="31" dur="500"/>
+                                        <p:tgtEl>
+                                          <p:spTgt spid="12"/>
+                                        </p:tgtEl>
+                                      </p:cBhvr>
+                                    </p:animEffect>
+                                    <p:set>
+                                      <p:cBhvr>
+                                        <p:cTn id="32" dur="1" fill="hold">
+                                          <p:stCondLst>
+                                            <p:cond delay="499"/>
+                                          </p:stCondLst>
+                                        </p:cTn>
+                                        <p:tgtEl>
+                                          <p:spTgt spid="12"/>
+                                        </p:tgtEl>
+                                        <p:attrNameLst>
+                                          <p:attrName>style.visibility</p:attrName>
+                                        </p:attrNameLst>
+                                      </p:cBhvr>
+                                      <p:to>
+                                        <p:strVal val="hidden"/>
+                                      </p:to>
+                                    </p:set>
+                                  </p:childTnLst>
+                                </p:cTn>
+                              </p:par>
+                              <p:par>
+                                <p:cTn id="33" presetID="6" presetClass="entr" presetSubtype="32" fill="hold" nodeType="withEffect">
+                                  <p:stCondLst>
+                                    <p:cond delay="0"/>
+                                  </p:stCondLst>
+                                  <p:childTnLst>
+                                    <p:set>
+                                      <p:cBhvr>
+                                        <p:cTn id="34" dur="1" fill="hold">
+                                          <p:stCondLst>
+                                            <p:cond delay="0"/>
+                                          </p:stCondLst>
+                                        </p:cTn>
+                                        <p:tgtEl>
+                                          <p:spTgt spid="19"/>
+                                        </p:tgtEl>
+                                        <p:attrNameLst>
+                                          <p:attrName>style.visibility</p:attrName>
+                                        </p:attrNameLst>
+                                      </p:cBhvr>
+                                      <p:to>
+                                        <p:strVal val="visible"/>
+                                      </p:to>
+                                    </p:set>
+                                    <p:animEffect transition="in" filter="circle(out)">
+                                      <p:cBhvr>
+                                        <p:cTn id="35" dur="500"/>
+                                        <p:tgtEl>
+                                          <p:spTgt spid="19"/>
+                                        </p:tgtEl>
+                                      </p:cBhvr>
+                                    </p:animEffect>
+                                  </p:childTnLst>
+                                </p:cTn>
+                              </p:par>
                             </p:childTnLst>
                           </p:cTn>
                         </p:par>
@@ -23997,26 +24743,26 @@
                     </p:cTn>
                   </p:par>
                   <p:par>
-                    <p:cTn id="32" fill="hold">
+                    <p:cTn id="36" fill="hold">
                       <p:stCondLst>
                         <p:cond delay="indefinite"/>
                       </p:stCondLst>
                       <p:childTnLst>
                         <p:par>
-                          <p:cTn id="33" fill="hold">
+                          <p:cTn id="37" fill="hold">
                             <p:stCondLst>
                               <p:cond delay="0"/>
                             </p:stCondLst>
                             <p:childTnLst>
                               <p:par>
-                                <p:cTn id="34" presetID="2" presetClass="entr" presetSubtype="4" fill="hold" nodeType="clickEffect">
+                                <p:cTn id="38" presetID="2" presetClass="entr" presetSubtype="4" fill="hold" nodeType="clickEffect">
                                   <p:stCondLst>
                                     <p:cond delay="0"/>
                                   </p:stCondLst>
                                   <p:childTnLst>
                                     <p:set>
                                       <p:cBhvr>
-                                        <p:cTn id="35" dur="1" fill="hold">
+                                        <p:cTn id="39" dur="1" fill="hold">
                                           <p:stCondLst>
                                             <p:cond delay="0"/>
                                           </p:stCondLst>
@@ -24038,7 +24784,7 @@
                                     </p:set>
                                     <p:anim calcmode="lin" valueType="num">
                                       <p:cBhvr additive="base">
-                                        <p:cTn id="36" dur="500" fill="hold"/>
+                                        <p:cTn id="40" dur="500" fill="hold"/>
                                         <p:tgtEl>
                                           <p:spTgt spid="15">
                                             <p:txEl>
@@ -24065,7 +24811,7 @@
                                     </p:anim>
                                     <p:anim calcmode="lin" valueType="num">
                                       <p:cBhvr additive="base">
-                                        <p:cTn id="37" dur="500" fill="hold"/>
+                                        <p:cTn id="41" dur="500" fill="hold"/>
                                         <p:tgtEl>
                                           <p:spTgt spid="15">
                                             <p:txEl>
@@ -24094,60 +24840,24 @@
                                 </p:cTn>
                               </p:par>
                               <p:par>
-                                <p:cTn id="38" presetID="10" presetClass="exit" presetSubtype="0" fill="hold" nodeType="withEffect">
+                                <p:cTn id="42" presetID="10" presetClass="exit" presetSubtype="0" fill="hold" nodeType="withEffect">
                                   <p:stCondLst>
                                     <p:cond delay="0"/>
                                   </p:stCondLst>
                                   <p:childTnLst>
                                     <p:animEffect transition="out" filter="fade">
                                       <p:cBhvr>
-                                        <p:cTn id="39" dur="500"/>
+                                        <p:cTn id="43" dur="500"/>
                                         <p:tgtEl>
-                                          <p:spTgt spid="12"/>
+                                          <p:spTgt spid="19"/>
                                         </p:tgtEl>
                                       </p:cBhvr>
                                     </p:animEffect>
                                     <p:set>
                                       <p:cBhvr>
-                                        <p:cTn id="40" dur="1" fill="hold">
+                                        <p:cTn id="44" dur="1" fill="hold">
                                           <p:stCondLst>
                                             <p:cond delay="499"/>
-                                          </p:stCondLst>
-                                        </p:cTn>
-                                        <p:tgtEl>
-                                          <p:spTgt spid="12"/>
-                                        </p:tgtEl>
-                                        <p:attrNameLst>
-                                          <p:attrName>style.visibility</p:attrName>
-                                        </p:attrNameLst>
-                                      </p:cBhvr>
-                                      <p:to>
-                                        <p:strVal val="hidden"/>
-                                      </p:to>
-                                    </p:set>
-                                  </p:childTnLst>
-                                </p:cTn>
-                              </p:par>
-                            </p:childTnLst>
-                          </p:cTn>
-                        </p:par>
-                        <p:par>
-                          <p:cTn id="41" fill="hold">
-                            <p:stCondLst>
-                              <p:cond delay="500"/>
-                            </p:stCondLst>
-                            <p:childTnLst>
-                              <p:par>
-                                <p:cTn id="42" presetID="6" presetClass="entr" presetSubtype="32" fill="hold" nodeType="afterEffect">
-                                  <p:stCondLst>
-                                    <p:cond delay="0"/>
-                                  </p:stCondLst>
-                                  <p:childTnLst>
-                                    <p:set>
-                                      <p:cBhvr>
-                                        <p:cTn id="43" dur="1" fill="hold">
-                                          <p:stCondLst>
-                                            <p:cond delay="0"/>
                                           </p:stCondLst>
                                         </p:cTn>
                                         <p:tgtEl>
@@ -24158,17 +24868,9 @@
                                         </p:attrNameLst>
                                       </p:cBhvr>
                                       <p:to>
-                                        <p:strVal val="visible"/>
+                                        <p:strVal val="hidden"/>
                                       </p:to>
                                     </p:set>
-                                    <p:animEffect transition="in" filter="circle(out)">
-                                      <p:cBhvr>
-                                        <p:cTn id="44" dur="500"/>
-                                        <p:tgtEl>
-                                          <p:spTgt spid="19"/>
-                                        </p:tgtEl>
-                                      </p:cBhvr>
-                                    </p:animEffect>
                                   </p:childTnLst>
                                 </p:cTn>
                               </p:par>
@@ -26156,6 +26858,58 @@
           </a:p>
         </p:txBody>
       </p:sp>
+      <p:sp>
+        <p:nvSpPr>
+          <p:cNvPr id="3" name="Rettangolo con angoli arrotondati 2">
+            <a:extLst>
+              <a:ext uri="{FF2B5EF4-FFF2-40B4-BE49-F238E27FC236}">
+                <a16:creationId xmlns:a16="http://schemas.microsoft.com/office/drawing/2014/main" id="{F05962DD-28DE-7116-567D-CF8E6BCE3DC2}"/>
+              </a:ext>
+            </a:extLst>
+          </p:cNvPr>
+          <p:cNvSpPr/>
+          <p:nvPr/>
+        </p:nvSpPr>
+        <p:spPr>
+          <a:xfrm>
+            <a:off x="8498037" y="5705527"/>
+            <a:ext cx="2945569" cy="577939"/>
+          </a:xfrm>
+          <a:prstGeom prst="roundRect">
+            <a:avLst/>
+          </a:prstGeom>
+        </p:spPr>
+        <p:style>
+          <a:lnRef idx="1">
+            <a:schemeClr val="accent3"/>
+          </a:lnRef>
+          <a:fillRef idx="2">
+            <a:schemeClr val="accent3"/>
+          </a:fillRef>
+          <a:effectRef idx="1">
+            <a:schemeClr val="accent3"/>
+          </a:effectRef>
+          <a:fontRef idx="minor">
+            <a:schemeClr val="dk1"/>
+          </a:fontRef>
+        </p:style>
+        <p:txBody>
+          <a:bodyPr rtlCol="0" anchor="ctr"/>
+          <a:lstStyle/>
+          <a:p>
+            <a:r>
+              <a:rPr lang="en-GB" sz="1100" dirty="0">
+                <a:solidFill>
+                  <a:schemeClr val="bg1">
+                    <a:lumMod val="50000"/>
+                  </a:schemeClr>
+                </a:solidFill>
+              </a:rPr>
+              <a:t>These priors have been defined on the bases of experience: what if a preprocessing step proceeded the classification? See Appendix 3.</a:t>
+            </a:r>
+          </a:p>
+        </p:txBody>
+      </p:sp>
     </p:spTree>
     <p:extLst>
       <p:ext uri="{BB962C8B-B14F-4D97-AF65-F5344CB8AC3E}">
@@ -27175,6 +27929,41 @@
                                   </p:childTnLst>
                                 </p:cTn>
                               </p:par>
+                              <p:par>
+                                <p:cTn id="8" presetID="6" presetClass="entr" presetSubtype="16" fill="hold" grpId="0" nodeType="withEffect">
+                                  <p:stCondLst>
+                                    <p:cond delay="0"/>
+                                  </p:stCondLst>
+                                  <p:childTnLst>
+                                    <p:set>
+                                      <p:cBhvr>
+                                        <p:cTn id="9" dur="1" fill="hold">
+                                          <p:stCondLst>
+                                            <p:cond delay="0"/>
+                                          </p:stCondLst>
+                                        </p:cTn>
+                                        <p:tgtEl>
+                                          <p:spTgt spid="3"/>
+                                        </p:tgtEl>
+                                        <p:attrNameLst>
+                                          <p:attrName>style.visibility</p:attrName>
+                                        </p:attrNameLst>
+                                      </p:cBhvr>
+                                      <p:to>
+                                        <p:strVal val="visible"/>
+                                      </p:to>
+                                    </p:set>
+                                    <p:animEffect transition="in" filter="circle(in)">
+                                      <p:cBhvr>
+                                        <p:cTn id="10" dur="500"/>
+                                        <p:tgtEl>
+                                          <p:spTgt spid="3"/>
+                                        </p:tgtEl>
+                                      </p:cBhvr>
+                                    </p:animEffect>
+                                  </p:childTnLst>
+                                </p:cTn>
+                              </p:par>
                             </p:childTnLst>
                           </p:cTn>
                         </p:par>
@@ -27202,6 +27991,9 @@
         </p:cTn>
       </p:par>
     </p:tnLst>
+    <p:bldLst>
+      <p:bldP spid="3" grpId="0" animBg="1"/>
+    </p:bldLst>
   </p:timing>
 </p:sld>
 </file>
